--- a/Presentation/Spotify Presentation.pptx
+++ b/Presentation/Spotify Presentation.pptx
@@ -4749,7 +4749,10 @@
           </a:bodyPr>
           <a:lstStyle/>
           <a:p>
-            <a:endParaRPr lang="en-US" dirty="0"/>
+            <a:r>
+              <a:rPr lang="en-US" dirty="0"/>
+              <a:t>Links with resources for pitching your music to the Spotify content curators</a:t>
+            </a:r>
           </a:p>
         </p:txBody>
       </p:sp>
@@ -5642,13 +5645,13 @@
           <a:p>
             <a:r>
               <a:rPr lang="en-US" dirty="0"/>
-              <a:t>Genre Recommended Songs: For each of the x number of listed genres, the 100 most popular recommended songs along with several metadata categories was compiled</a:t>
-            </a:r>
-          </a:p>
-          <a:p>
-            <a:r>
-              <a:rPr lang="en-US" dirty="0"/>
-              <a:t>Category Playlists: For each of the x number of categories, all the playlists were compiled along with several metadata categories</a:t>
+              <a:t>Genre Recommended Songs: For each of the 122 listed genres, the 100 most popular recommended songs along with several metadata categories was compiled</a:t>
+            </a:r>
+          </a:p>
+          <a:p>
+            <a:r>
+              <a:rPr lang="en-US" dirty="0"/>
+              <a:t>Category Playlists: For each of the 51categories, all the playlists were compiled along with several metadata categories (over 1000 different playlists)</a:t>
             </a:r>
           </a:p>
           <a:p>

--- a/Presentation/Spotify Presentation.pptx
+++ b/Presentation/Spotify Presentation.pptx
@@ -121,6 +121,11 @@
       </a:defRPr>
     </a:lvl9pPr>
   </p:defaultTextStyle>
+  <p:extLst>
+    <p:ext uri="{EFAFB233-063F-42B5-8137-9DF3F51BA10A}">
+      <p15:sldGuideLst xmlns:p15="http://schemas.microsoft.com/office/powerpoint/2012/main"/>
+    </p:ext>
+  </p:extLst>
 </p:presentation>
 </file>
 
@@ -275,7 +280,7 @@
           <a:p>
             <a:fld id="{2F3E8B1C-86EF-43CF-8304-249481088644}" type="datetimeFigureOut">
               <a:rPr lang="en-US" smtClean="0"/>
-              <a:t>8/13/21</a:t>
+              <a:t>8/18/21</a:t>
             </a:fld>
             <a:endParaRPr lang="en-US"/>
           </a:p>
@@ -473,7 +478,7 @@
           <a:p>
             <a:fld id="{2F3E8B1C-86EF-43CF-8304-249481088644}" type="datetimeFigureOut">
               <a:rPr lang="en-US" smtClean="0"/>
-              <a:t>8/13/21</a:t>
+              <a:t>8/18/21</a:t>
             </a:fld>
             <a:endParaRPr lang="en-US"/>
           </a:p>
@@ -681,7 +686,7 @@
           <a:p>
             <a:fld id="{2F3E8B1C-86EF-43CF-8304-249481088644}" type="datetimeFigureOut">
               <a:rPr lang="en-US" smtClean="0"/>
-              <a:t>8/13/21</a:t>
+              <a:t>8/18/21</a:t>
             </a:fld>
             <a:endParaRPr lang="en-US"/>
           </a:p>
@@ -879,7 +884,7 @@
           <a:p>
             <a:fld id="{2F3E8B1C-86EF-43CF-8304-249481088644}" type="datetimeFigureOut">
               <a:rPr lang="en-US" smtClean="0"/>
-              <a:t>8/13/21</a:t>
+              <a:t>8/18/21</a:t>
             </a:fld>
             <a:endParaRPr lang="en-US"/>
           </a:p>
@@ -1154,7 +1159,7 @@
           <a:p>
             <a:fld id="{2F3E8B1C-86EF-43CF-8304-249481088644}" type="datetimeFigureOut">
               <a:rPr lang="en-US" smtClean="0"/>
-              <a:t>8/13/21</a:t>
+              <a:t>8/18/21</a:t>
             </a:fld>
             <a:endParaRPr lang="en-US"/>
           </a:p>
@@ -1424,7 +1429,7 @@
           <a:p>
             <a:fld id="{2F3E8B1C-86EF-43CF-8304-249481088644}" type="datetimeFigureOut">
               <a:rPr lang="en-US" smtClean="0"/>
-              <a:t>8/13/21</a:t>
+              <a:t>8/18/21</a:t>
             </a:fld>
             <a:endParaRPr lang="en-US"/>
           </a:p>
@@ -1844,7 +1849,7 @@
           <a:p>
             <a:fld id="{2F3E8B1C-86EF-43CF-8304-249481088644}" type="datetimeFigureOut">
               <a:rPr lang="en-US" smtClean="0"/>
-              <a:t>8/13/21</a:t>
+              <a:t>8/18/21</a:t>
             </a:fld>
             <a:endParaRPr lang="en-US"/>
           </a:p>
@@ -1985,7 +1990,7 @@
           <a:p>
             <a:fld id="{2F3E8B1C-86EF-43CF-8304-249481088644}" type="datetimeFigureOut">
               <a:rPr lang="en-US" smtClean="0"/>
-              <a:t>8/13/21</a:t>
+              <a:t>8/18/21</a:t>
             </a:fld>
             <a:endParaRPr lang="en-US"/>
           </a:p>
@@ -2098,7 +2103,7 @@
           <a:p>
             <a:fld id="{2F3E8B1C-86EF-43CF-8304-249481088644}" type="datetimeFigureOut">
               <a:rPr lang="en-US" smtClean="0"/>
-              <a:t>8/13/21</a:t>
+              <a:t>8/18/21</a:t>
             </a:fld>
             <a:endParaRPr lang="en-US"/>
           </a:p>
@@ -2409,7 +2414,7 @@
           <a:p>
             <a:fld id="{2F3E8B1C-86EF-43CF-8304-249481088644}" type="datetimeFigureOut">
               <a:rPr lang="en-US" smtClean="0"/>
-              <a:t>8/13/21</a:t>
+              <a:t>8/18/21</a:t>
             </a:fld>
             <a:endParaRPr lang="en-US"/>
           </a:p>
@@ -2697,7 +2702,7 @@
           <a:p>
             <a:fld id="{2F3E8B1C-86EF-43CF-8304-249481088644}" type="datetimeFigureOut">
               <a:rPr lang="en-US" smtClean="0"/>
-              <a:t>8/13/21</a:t>
+              <a:t>8/18/21</a:t>
             </a:fld>
             <a:endParaRPr lang="en-US"/>
           </a:p>
@@ -2938,7 +2943,7 @@
             <a:fld id="{2F3E8B1C-86EF-43CF-8304-249481088644}" type="datetimeFigureOut">
               <a:rPr lang="en-US" smtClean="0"/>
               <a:pPr/>
-              <a:t>8/13/21</a:t>
+              <a:t>8/18/21</a:t>
             </a:fld>
             <a:endParaRPr lang="en-US" dirty="0"/>
           </a:p>
@@ -5665,7 +5670,7 @@
             </a:r>
             <a:r>
               <a:rPr lang="en-US" dirty="0"/>
-              <a:t>” function from Spotify’s API</a:t>
+              <a:t>” function from Spotify’s API (over 70,000 songs analyzed)</a:t>
             </a:r>
           </a:p>
           <a:p>

--- a/Presentation/Spotify Presentation.pptx
+++ b/Presentation/Spotify Presentation.pptx
@@ -14,15 +14,13 @@
     <p:sldId id="263" r:id="rId8"/>
     <p:sldId id="262" r:id="rId9"/>
     <p:sldId id="264" r:id="rId10"/>
-    <p:sldId id="266" r:id="rId11"/>
-    <p:sldId id="268" r:id="rId12"/>
-    <p:sldId id="269" r:id="rId13"/>
-    <p:sldId id="271" r:id="rId14"/>
-    <p:sldId id="267" r:id="rId15"/>
-    <p:sldId id="272" r:id="rId16"/>
+    <p:sldId id="269" r:id="rId11"/>
+    <p:sldId id="266" r:id="rId12"/>
+    <p:sldId id="268" r:id="rId13"/>
+    <p:sldId id="267" r:id="rId14"/>
+    <p:sldId id="272" r:id="rId15"/>
+    <p:sldId id="274" r:id="rId16"/>
     <p:sldId id="273" r:id="rId17"/>
-    <p:sldId id="259" r:id="rId18"/>
-    <p:sldId id="265" r:id="rId19"/>
   </p:sldIdLst>
   <p:sldSz cx="12192000" cy="6858000"/>
   <p:notesSz cx="6858000" cy="9144000"/>
@@ -280,7 +278,7 @@
           <a:p>
             <a:fld id="{2F3E8B1C-86EF-43CF-8304-249481088644}" type="datetimeFigureOut">
               <a:rPr lang="en-US" smtClean="0"/>
-              <a:t>8/18/21</a:t>
+              <a:t>8/19/21</a:t>
             </a:fld>
             <a:endParaRPr lang="en-US"/>
           </a:p>
@@ -478,7 +476,7 @@
           <a:p>
             <a:fld id="{2F3E8B1C-86EF-43CF-8304-249481088644}" type="datetimeFigureOut">
               <a:rPr lang="en-US" smtClean="0"/>
-              <a:t>8/18/21</a:t>
+              <a:t>8/19/21</a:t>
             </a:fld>
             <a:endParaRPr lang="en-US"/>
           </a:p>
@@ -686,7 +684,7 @@
           <a:p>
             <a:fld id="{2F3E8B1C-86EF-43CF-8304-249481088644}" type="datetimeFigureOut">
               <a:rPr lang="en-US" smtClean="0"/>
-              <a:t>8/18/21</a:t>
+              <a:t>8/19/21</a:t>
             </a:fld>
             <a:endParaRPr lang="en-US"/>
           </a:p>
@@ -884,7 +882,7 @@
           <a:p>
             <a:fld id="{2F3E8B1C-86EF-43CF-8304-249481088644}" type="datetimeFigureOut">
               <a:rPr lang="en-US" smtClean="0"/>
-              <a:t>8/18/21</a:t>
+              <a:t>8/19/21</a:t>
             </a:fld>
             <a:endParaRPr lang="en-US"/>
           </a:p>
@@ -1159,7 +1157,7 @@
           <a:p>
             <a:fld id="{2F3E8B1C-86EF-43CF-8304-249481088644}" type="datetimeFigureOut">
               <a:rPr lang="en-US" smtClean="0"/>
-              <a:t>8/18/21</a:t>
+              <a:t>8/19/21</a:t>
             </a:fld>
             <a:endParaRPr lang="en-US"/>
           </a:p>
@@ -1429,7 +1427,7 @@
           <a:p>
             <a:fld id="{2F3E8B1C-86EF-43CF-8304-249481088644}" type="datetimeFigureOut">
               <a:rPr lang="en-US" smtClean="0"/>
-              <a:t>8/18/21</a:t>
+              <a:t>8/19/21</a:t>
             </a:fld>
             <a:endParaRPr lang="en-US"/>
           </a:p>
@@ -1849,7 +1847,7 @@
           <a:p>
             <a:fld id="{2F3E8B1C-86EF-43CF-8304-249481088644}" type="datetimeFigureOut">
               <a:rPr lang="en-US" smtClean="0"/>
-              <a:t>8/18/21</a:t>
+              <a:t>8/19/21</a:t>
             </a:fld>
             <a:endParaRPr lang="en-US"/>
           </a:p>
@@ -1990,7 +1988,7 @@
           <a:p>
             <a:fld id="{2F3E8B1C-86EF-43CF-8304-249481088644}" type="datetimeFigureOut">
               <a:rPr lang="en-US" smtClean="0"/>
-              <a:t>8/18/21</a:t>
+              <a:t>8/19/21</a:t>
             </a:fld>
             <a:endParaRPr lang="en-US"/>
           </a:p>
@@ -2103,7 +2101,7 @@
           <a:p>
             <a:fld id="{2F3E8B1C-86EF-43CF-8304-249481088644}" type="datetimeFigureOut">
               <a:rPr lang="en-US" smtClean="0"/>
-              <a:t>8/18/21</a:t>
+              <a:t>8/19/21</a:t>
             </a:fld>
             <a:endParaRPr lang="en-US"/>
           </a:p>
@@ -2414,7 +2412,7 @@
           <a:p>
             <a:fld id="{2F3E8B1C-86EF-43CF-8304-249481088644}" type="datetimeFigureOut">
               <a:rPr lang="en-US" smtClean="0"/>
-              <a:t>8/18/21</a:t>
+              <a:t>8/19/21</a:t>
             </a:fld>
             <a:endParaRPr lang="en-US"/>
           </a:p>
@@ -2702,7 +2700,7 @@
           <a:p>
             <a:fld id="{2F3E8B1C-86EF-43CF-8304-249481088644}" type="datetimeFigureOut">
               <a:rPr lang="en-US" smtClean="0"/>
-              <a:t>8/18/21</a:t>
+              <a:t>8/19/21</a:t>
             </a:fld>
             <a:endParaRPr lang="en-US"/>
           </a:p>
@@ -2943,7 +2941,7 @@
             <a:fld id="{2F3E8B1C-86EF-43CF-8304-249481088644}" type="datetimeFigureOut">
               <a:rPr lang="en-US" smtClean="0"/>
               <a:pPr/>
-              <a:t>8/18/21</a:t>
+              <a:t>8/19/21</a:t>
             </a:fld>
             <a:endParaRPr lang="en-US" dirty="0"/>
           </a:p>
@@ -3902,7 +3900,7 @@
           <a:p>
             <a:r>
               <a:rPr lang="en-US" dirty="0"/>
-              <a:t>Most popular: Genre</a:t>
+              <a:t>Most popular: Playlist</a:t>
             </a:r>
           </a:p>
         </p:txBody>
@@ -3935,52 +3933,49 @@
           </a:bodyPr>
           <a:lstStyle/>
           <a:p>
-            <a:pPr marL="0" indent="0">
-              <a:buNone/>
-            </a:pPr>
-            <a:r>
-              <a:rPr lang="en-US" dirty="0"/>
-              <a:t>Genre: Pop</a:t>
-            </a:r>
-          </a:p>
-          <a:p>
-            <a:pPr marL="0" indent="0">
-              <a:buNone/>
-            </a:pPr>
-            <a:r>
-              <a:rPr lang="en-US" dirty="0"/>
-              <a:t>Song: ﻿ Can't Hold Us - feat. Ray Dalton by Macklemore &amp; Ryan Lewis</a:t>
-            </a:r>
-          </a:p>
-          <a:p>
-            <a:pPr marL="0" indent="0">
-              <a:buNone/>
-            </a:pPr>
-            <a:r>
-              <a:rPr lang="en-US" dirty="0"/>
-              <a:t>Popularity: 83</a:t>
-            </a:r>
-          </a:p>
-          <a:p>
-            <a:pPr marL="0" indent="0">
-              <a:buNone/>
-            </a:pPr>
-            <a:r>
-              <a:rPr lang="en-US" dirty="0"/>
-              <a:t>Metadata: </a:t>
-            </a:r>
-          </a:p>
-          <a:p>
-            <a:pPr marL="0" indent="0">
-              <a:buNone/>
-            </a:pPr>
-            <a:endParaRPr lang="en-US" dirty="0"/>
-          </a:p>
-          <a:p>
-            <a:pPr marL="0" indent="0">
-              <a:buNone/>
-            </a:pPr>
-            <a:endParaRPr lang="en-US" dirty="0"/>
+            <a:r>
+              <a:rPr lang="en-US" dirty="0"/>
+              <a:t>Playlist Name: Top 50 – Global</a:t>
+            </a:r>
+          </a:p>
+          <a:p>
+            <a:r>
+              <a:rPr lang="en-US" dirty="0"/>
+              <a:t>Avg. Popularity: 89.5</a:t>
+            </a:r>
+          </a:p>
+          <a:p>
+            <a:r>
+              <a:rPr lang="en-US" dirty="0"/>
+              <a:t>Notable Metadata points: </a:t>
+            </a:r>
+          </a:p>
+          <a:p>
+            <a:pPr lvl="1"/>
+            <a:r>
+              <a:rPr lang="en-US" dirty="0"/>
+              <a:t>There are zero instrumental tracks on this playlist</a:t>
+            </a:r>
+          </a:p>
+          <a:p>
+            <a:pPr lvl="1"/>
+            <a:r>
+              <a:rPr lang="en-US" dirty="0"/>
+              <a:t>There is an above avg Danceability rating of .68 (.63 is overall rating)</a:t>
+            </a:r>
+          </a:p>
+          <a:p>
+            <a:pPr lvl="1"/>
+            <a:r>
+              <a:rPr lang="en-US" dirty="0"/>
+              <a:t>25% of the songs on this playlist are in C# or F#</a:t>
+            </a:r>
+          </a:p>
+          <a:p>
+            <a:r>
+              <a:rPr lang="en-US" dirty="0"/>
+              <a:t>Top 3 songs on this playlist:</a:t>
+            </a:r>
           </a:p>
         </p:txBody>
       </p:sp>
@@ -4019,10 +4014,10 @@
       </p:pic>
       <p:pic>
         <p:nvPicPr>
-          <p:cNvPr id="6" name="Picture 5" descr="Chart, bar chart&#10;&#10;Description automatically generated">
-            <a:extLst>
-              <a:ext uri="{FF2B5EF4-FFF2-40B4-BE49-F238E27FC236}">
-                <a16:creationId xmlns:a16="http://schemas.microsoft.com/office/drawing/2014/main" id="{6DA25C46-3053-F54F-B421-5B030FC5010E}"/>
+          <p:cNvPr id="7" name="Picture 6" descr="Graphical user interface, application&#10;&#10;Description automatically generated">
+            <a:extLst>
+              <a:ext uri="{FF2B5EF4-FFF2-40B4-BE49-F238E27FC236}">
+                <a16:creationId xmlns:a16="http://schemas.microsoft.com/office/drawing/2014/main" id="{2C4906DB-082B-4D44-A6B9-FCF514048541}"/>
               </a:ext>
             </a:extLst>
           </p:cNvPr>
@@ -4039,38 +4034,8 @@
         </p:blipFill>
         <p:spPr>
           <a:xfrm>
-            <a:off x="1103312" y="3629025"/>
-            <a:ext cx="5842000" cy="2171700"/>
-          </a:xfrm>
-          <a:prstGeom prst="rect">
-            <a:avLst/>
-          </a:prstGeom>
-        </p:spPr>
-      </p:pic>
-      <p:pic>
-        <p:nvPicPr>
-          <p:cNvPr id="8" name="Picture 7" descr="Chart, bar chart&#10;&#10;Description automatically generated">
-            <a:extLst>
-              <a:ext uri="{FF2B5EF4-FFF2-40B4-BE49-F238E27FC236}">
-                <a16:creationId xmlns:a16="http://schemas.microsoft.com/office/drawing/2014/main" id="{74580B13-25C9-CC40-9768-D1C66A6C6F1E}"/>
-              </a:ext>
-            </a:extLst>
-          </p:cNvPr>
-          <p:cNvPicPr>
-            <a:picLocks noChangeAspect="1"/>
-          </p:cNvPicPr>
-          <p:nvPr/>
-        </p:nvPicPr>
-        <p:blipFill>
-          <a:blip r:embed="rId4"/>
-          <a:stretch>
-            <a:fillRect/>
-          </a:stretch>
-        </p:blipFill>
-        <p:spPr>
-          <a:xfrm>
-            <a:off x="6723856" y="3228975"/>
-            <a:ext cx="4889500" cy="2679700"/>
+            <a:off x="6418843" y="4017495"/>
+            <a:ext cx="5556280" cy="2046449"/>
           </a:xfrm>
           <a:prstGeom prst="rect">
             <a:avLst/>
@@ -4080,7 +4045,7 @@
     </p:spTree>
     <p:extLst>
       <p:ext uri="{BB962C8B-B14F-4D97-AF65-F5344CB8AC3E}">
-        <p14:creationId xmlns:p14="http://schemas.microsoft.com/office/powerpoint/2010/main" val="1858377756"/>
+        <p14:creationId xmlns:p14="http://schemas.microsoft.com/office/powerpoint/2010/main" val="3292780825"/>
       </p:ext>
     </p:extLst>
   </p:cSld>
@@ -4135,7 +4100,7 @@
           <a:p>
             <a:r>
               <a:rPr lang="en-US" dirty="0"/>
-              <a:t>Genre Dashboard</a:t>
+              <a:t>Most popular: Genre</a:t>
             </a:r>
           </a:p>
         </p:txBody>
@@ -4168,6 +4133,48 @@
           </a:bodyPr>
           <a:lstStyle/>
           <a:p>
+            <a:pPr marL="0" indent="0">
+              <a:buNone/>
+            </a:pPr>
+            <a:r>
+              <a:rPr lang="en-US" dirty="0"/>
+              <a:t>Genre: Pop</a:t>
+            </a:r>
+          </a:p>
+          <a:p>
+            <a:pPr marL="0" indent="0">
+              <a:buNone/>
+            </a:pPr>
+            <a:r>
+              <a:rPr lang="en-US" dirty="0"/>
+              <a:t>Song: High Hopes by Panic! At The Disco</a:t>
+            </a:r>
+          </a:p>
+          <a:p>
+            <a:pPr marL="0" indent="0">
+              <a:buNone/>
+            </a:pPr>
+            <a:r>
+              <a:rPr lang="en-US" dirty="0"/>
+              <a:t>Popularity: 81</a:t>
+            </a:r>
+          </a:p>
+          <a:p>
+            <a:pPr marL="0" indent="0">
+              <a:buNone/>
+            </a:pPr>
+            <a:endParaRPr lang="en-US" dirty="0"/>
+          </a:p>
+          <a:p>
+            <a:pPr marL="0" indent="0">
+              <a:buNone/>
+            </a:pPr>
+            <a:endParaRPr lang="en-US" dirty="0"/>
+          </a:p>
+          <a:p>
+            <a:pPr marL="0" indent="0">
+              <a:buNone/>
+            </a:pPr>
             <a:endParaRPr lang="en-US" dirty="0"/>
           </a:p>
         </p:txBody>
@@ -4205,10 +4212,70 @@
           </a:solidFill>
         </p:spPr>
       </p:pic>
+      <p:pic>
+        <p:nvPicPr>
+          <p:cNvPr id="7" name="Picture 6" descr="Graphical user interface&#10;&#10;Description automatically generated with medium confidence">
+            <a:extLst>
+              <a:ext uri="{FF2B5EF4-FFF2-40B4-BE49-F238E27FC236}">
+                <a16:creationId xmlns:a16="http://schemas.microsoft.com/office/drawing/2014/main" id="{278C095F-4ED3-8346-9740-CC4C7A2BAF14}"/>
+              </a:ext>
+            </a:extLst>
+          </p:cNvPr>
+          <p:cNvPicPr>
+            <a:picLocks noChangeAspect="1"/>
+          </p:cNvPicPr>
+          <p:nvPr/>
+        </p:nvPicPr>
+        <p:blipFill>
+          <a:blip r:embed="rId3"/>
+          <a:stretch>
+            <a:fillRect/>
+          </a:stretch>
+        </p:blipFill>
+        <p:spPr>
+          <a:xfrm>
+            <a:off x="800100" y="3429000"/>
+            <a:ext cx="4744162" cy="2684197"/>
+          </a:xfrm>
+          <a:prstGeom prst="rect">
+            <a:avLst/>
+          </a:prstGeom>
+        </p:spPr>
+      </p:pic>
+      <p:pic>
+        <p:nvPicPr>
+          <p:cNvPr id="10" name="Picture 9" descr="A picture containing graphical user interface&#10;&#10;Description automatically generated">
+            <a:extLst>
+              <a:ext uri="{FF2B5EF4-FFF2-40B4-BE49-F238E27FC236}">
+                <a16:creationId xmlns:a16="http://schemas.microsoft.com/office/drawing/2014/main" id="{F06F5B5D-3BF1-2944-B6B6-8BD9B508C171}"/>
+              </a:ext>
+            </a:extLst>
+          </p:cNvPr>
+          <p:cNvPicPr>
+            <a:picLocks noChangeAspect="1"/>
+          </p:cNvPicPr>
+          <p:nvPr/>
+        </p:nvPicPr>
+        <p:blipFill>
+          <a:blip r:embed="rId4"/>
+          <a:stretch>
+            <a:fillRect/>
+          </a:stretch>
+        </p:blipFill>
+        <p:spPr>
+          <a:xfrm>
+            <a:off x="5819124" y="3435250"/>
+            <a:ext cx="5003341" cy="2684196"/>
+          </a:xfrm>
+          <a:prstGeom prst="rect">
+            <a:avLst/>
+          </a:prstGeom>
+        </p:spPr>
+      </p:pic>
     </p:spTree>
     <p:extLst>
       <p:ext uri="{BB962C8B-B14F-4D97-AF65-F5344CB8AC3E}">
-        <p14:creationId xmlns:p14="http://schemas.microsoft.com/office/powerpoint/2010/main" val="434050772"/>
+        <p14:creationId xmlns:p14="http://schemas.microsoft.com/office/powerpoint/2010/main" val="1858377756"/>
       </p:ext>
     </p:extLst>
   </p:cSld>
@@ -4263,7 +4330,7 @@
           <a:p>
             <a:r>
               <a:rPr lang="en-US" dirty="0"/>
-              <a:t>Most popular: Playlist</a:t>
+              <a:t>Playlist &amp; Genre Dashboards</a:t>
             </a:r>
           </a:p>
         </p:txBody>
@@ -4297,48 +4364,12 @@
           <a:lstStyle/>
           <a:p>
             <a:r>
-              <a:rPr lang="en-US" dirty="0"/>
-              <a:t>Playlist Name: Top 50 – Global</a:t>
-            </a:r>
-          </a:p>
-          <a:p>
-            <a:r>
-              <a:rPr lang="en-US" dirty="0"/>
-              <a:t>Avg. Popularity: 89.5</a:t>
-            </a:r>
-          </a:p>
-          <a:p>
-            <a:r>
-              <a:rPr lang="en-US" dirty="0"/>
-              <a:t>Notable Metadata points: </a:t>
-            </a:r>
-          </a:p>
-          <a:p>
-            <a:pPr lvl="1"/>
-            <a:r>
-              <a:rPr lang="en-US" dirty="0"/>
-              <a:t>There are zero instrumental tracks on this playlist</a:t>
-            </a:r>
-          </a:p>
-          <a:p>
-            <a:pPr lvl="1"/>
-            <a:r>
-              <a:rPr lang="en-US" dirty="0"/>
-              <a:t>There is an above avg Danceability rating of .68 (.63 is overall rating)</a:t>
-            </a:r>
-          </a:p>
-          <a:p>
-            <a:pPr lvl="1"/>
-            <a:r>
-              <a:rPr lang="en-US" dirty="0"/>
-              <a:t>25% of the songs on this playlist are in C# or F#</a:t>
-            </a:r>
-          </a:p>
-          <a:p>
-            <a:r>
-              <a:rPr lang="en-US" dirty="0"/>
-              <a:t>Top 3 songs on this playlist:</a:t>
-            </a:r>
+              <a:rPr lang="en-US" dirty="0">
+                <a:hlinkClick r:id="rId2"/>
+              </a:rPr>
+              <a:t>LINK TO DASHBOARDS</a:t>
+            </a:r>
+            <a:endParaRPr lang="en-US" dirty="0"/>
           </a:p>
         </p:txBody>
       </p:sp>
@@ -4348,39 +4379,6 @@
             <a:extLst>
               <a:ext uri="{FF2B5EF4-FFF2-40B4-BE49-F238E27FC236}">
                 <a16:creationId xmlns:a16="http://schemas.microsoft.com/office/drawing/2014/main" id="{B987A738-BCBE-4844-B40A-030E87A6203A}"/>
-              </a:ext>
-            </a:extLst>
-          </p:cNvPr>
-          <p:cNvPicPr>
-            <a:picLocks noChangeAspect="1"/>
-          </p:cNvPicPr>
-          <p:nvPr/>
-        </p:nvPicPr>
-        <p:blipFill>
-          <a:blip r:embed="rId2"/>
-          <a:stretch>
-            <a:fillRect/>
-          </a:stretch>
-        </p:blipFill>
-        <p:spPr>
-          <a:xfrm>
-            <a:off x="10332002" y="170415"/>
-            <a:ext cx="1458360" cy="1458360"/>
-          </a:xfrm>
-          <a:prstGeom prst="rect">
-            <a:avLst/>
-          </a:prstGeom>
-          <a:solidFill>
-            <a:schemeClr val="bg1"/>
-          </a:solidFill>
-        </p:spPr>
-      </p:pic>
-      <p:pic>
-        <p:nvPicPr>
-          <p:cNvPr id="6" name="Picture 5">
-            <a:extLst>
-              <a:ext uri="{FF2B5EF4-FFF2-40B4-BE49-F238E27FC236}">
-                <a16:creationId xmlns:a16="http://schemas.microsoft.com/office/drawing/2014/main" id="{D67996A8-114C-7C40-BC42-86FC195247E0}"/>
               </a:ext>
             </a:extLst>
           </p:cNvPr>
@@ -4397,18 +4395,21 @@
         </p:blipFill>
         <p:spPr>
           <a:xfrm>
-            <a:off x="982662" y="4723485"/>
-            <a:ext cx="7670382" cy="1011479"/>
+            <a:off x="10332002" y="170415"/>
+            <a:ext cx="1458360" cy="1458360"/>
           </a:xfrm>
           <a:prstGeom prst="rect">
             <a:avLst/>
           </a:prstGeom>
+          <a:solidFill>
+            <a:schemeClr val="bg1"/>
+          </a:solidFill>
         </p:spPr>
       </p:pic>
     </p:spTree>
     <p:extLst>
       <p:ext uri="{BB962C8B-B14F-4D97-AF65-F5344CB8AC3E}">
-        <p14:creationId xmlns:p14="http://schemas.microsoft.com/office/powerpoint/2010/main" val="3292780825"/>
+        <p14:creationId xmlns:p14="http://schemas.microsoft.com/office/powerpoint/2010/main" val="434050772"/>
       </p:ext>
     </p:extLst>
   </p:cSld>
@@ -4463,7 +4464,7 @@
           <a:p>
             <a:r>
               <a:rPr lang="en-US" dirty="0"/>
-              <a:t>Playlist Dashboard</a:t>
+              <a:t>Limitations of the analysis</a:t>
             </a:r>
           </a:p>
         </p:txBody>
@@ -4496,7 +4497,43 @@
           </a:bodyPr>
           <a:lstStyle/>
           <a:p>
-            <a:endParaRPr lang="en-US" dirty="0"/>
+            <a:r>
+              <a:rPr lang="en-US" dirty="0"/>
+              <a:t>Popularity Index: Because Spotify puts their play counts behind a calculated Popularity Value, I was unable to gain some insights regarding potential financial returns for a given song or playlist</a:t>
+            </a:r>
+          </a:p>
+          <a:p>
+            <a:r>
+              <a:rPr lang="en-US" dirty="0"/>
+              <a:t>Data timeframe: Because the data was pulled for a snapshot of time, I was unable to gain insights regarding trends over time</a:t>
+            </a:r>
+          </a:p>
+          <a:p>
+            <a:r>
+              <a:rPr lang="en-US" b="1" dirty="0"/>
+              <a:t>Goals for Analysis 2.0:</a:t>
+            </a:r>
+          </a:p>
+          <a:p>
+            <a:pPr lvl="1"/>
+            <a:r>
+              <a:rPr lang="en-US" dirty="0"/>
+              <a:t>Ability to filter playlists by specific metadata category</a:t>
+            </a:r>
+          </a:p>
+          <a:p>
+            <a:pPr lvl="1"/>
+            <a:r>
+              <a:rPr lang="en-US" dirty="0"/>
+              <a:t>Allow artists to access their own metadata and create algorithm to match them with a particular playlist</a:t>
+            </a:r>
+          </a:p>
+          <a:p>
+            <a:pPr lvl="1"/>
+            <a:r>
+              <a:rPr lang="en-US" dirty="0"/>
+              <a:t>Create way to pull current metadata for large number of songs quickly</a:t>
+            </a:r>
           </a:p>
         </p:txBody>
       </p:sp>
@@ -4536,7 +4573,7 @@
     </p:spTree>
     <p:extLst>
       <p:ext uri="{BB962C8B-B14F-4D97-AF65-F5344CB8AC3E}">
-        <p14:creationId xmlns:p14="http://schemas.microsoft.com/office/powerpoint/2010/main" val="1763478916"/>
+        <p14:creationId xmlns:p14="http://schemas.microsoft.com/office/powerpoint/2010/main" val="3619328480"/>
       </p:ext>
     </p:extLst>
   </p:cSld>
@@ -4586,44 +4623,83 @@
           </a:xfrm>
         </p:spPr>
         <p:txBody>
-          <a:bodyPr/>
-          <a:lstStyle/>
-          <a:p>
-            <a:r>
-              <a:rPr lang="en-US" dirty="0"/>
-              <a:t>Limitations of the analysis</a:t>
-            </a:r>
-          </a:p>
-        </p:txBody>
-      </p:sp>
-      <p:sp>
-        <p:nvSpPr>
-          <p:cNvPr id="3" name="Content Placeholder 2">
-            <a:extLst>
-              <a:ext uri="{FF2B5EF4-FFF2-40B4-BE49-F238E27FC236}">
-                <a16:creationId xmlns:a16="http://schemas.microsoft.com/office/drawing/2014/main" id="{C90C241A-6DD4-D34E-9B33-A4EA32D4B011}"/>
-              </a:ext>
-            </a:extLst>
-          </p:cNvPr>
-          <p:cNvSpPr>
-            <a:spLocks noGrp="1"/>
-          </p:cNvSpPr>
-          <p:nvPr>
-            <p:ph idx="1"/>
-          </p:nvPr>
-        </p:nvSpPr>
-        <p:spPr>
-          <a:xfrm>
-            <a:off x="700635" y="1628775"/>
-            <a:ext cx="10691265" cy="4300439"/>
-          </a:xfrm>
-        </p:spPr>
-        <p:txBody>
           <a:bodyPr>
             <a:normAutofit/>
           </a:bodyPr>
           <a:lstStyle/>
           <a:p>
+            <a:r>
+              <a:rPr lang="en-US" sz="3200" dirty="0"/>
+              <a:t>Resources regarding playlist placement</a:t>
+            </a:r>
+          </a:p>
+        </p:txBody>
+      </p:sp>
+      <p:sp>
+        <p:nvSpPr>
+          <p:cNvPr id="3" name="Content Placeholder 2">
+            <a:extLst>
+              <a:ext uri="{FF2B5EF4-FFF2-40B4-BE49-F238E27FC236}">
+                <a16:creationId xmlns:a16="http://schemas.microsoft.com/office/drawing/2014/main" id="{C90C241A-6DD4-D34E-9B33-A4EA32D4B011}"/>
+              </a:ext>
+            </a:extLst>
+          </p:cNvPr>
+          <p:cNvSpPr>
+            <a:spLocks noGrp="1"/>
+          </p:cNvSpPr>
+          <p:nvPr>
+            <p:ph idx="1"/>
+          </p:nvPr>
+        </p:nvSpPr>
+        <p:spPr>
+          <a:xfrm>
+            <a:off x="700635" y="1628775"/>
+            <a:ext cx="10691265" cy="4300439"/>
+          </a:xfrm>
+        </p:spPr>
+        <p:txBody>
+          <a:bodyPr>
+            <a:normAutofit/>
+          </a:bodyPr>
+          <a:lstStyle/>
+          <a:p>
+            <a:r>
+              <a:rPr lang="en-US" dirty="0"/>
+              <a:t>Links with resources for pitching your music to the Spotify content curators</a:t>
+            </a:r>
+          </a:p>
+          <a:p>
+            <a:pPr lvl="1"/>
+            <a:r>
+              <a:rPr lang="en-US" b="1" i="1" u="sng" dirty="0">
+                <a:hlinkClick r:id="rId2"/>
+              </a:rPr>
+              <a:t>How To Get Music in Spotify Playlists – Digital Music News</a:t>
+            </a:r>
+            <a:endParaRPr lang="en-US" dirty="0"/>
+          </a:p>
+          <a:p>
+            <a:pPr lvl="1"/>
+            <a:r>
+              <a:rPr lang="en-US" b="1" i="1" u="sng" dirty="0">
+                <a:hlinkClick r:id="rId3"/>
+              </a:rPr>
+              <a:t>Spotify Royalties Explained, In 3 Easy Diagrams…</a:t>
+            </a:r>
+            <a:endParaRPr lang="en-US" dirty="0"/>
+          </a:p>
+          <a:p>
+            <a:pPr lvl="1"/>
+            <a:r>
+              <a:rPr lang="en-US" b="1" i="1" u="sng" dirty="0">
+                <a:hlinkClick r:id="rId4"/>
+              </a:rPr>
+              <a:t>Lance Allen DIY Spotify Success</a:t>
+            </a:r>
+            <a:endParaRPr lang="en-US" dirty="0"/>
+          </a:p>
+          <a:p>
+            <a:pPr lvl="1"/>
             <a:endParaRPr lang="en-US" dirty="0"/>
           </a:p>
         </p:txBody>
@@ -4643,7 +4719,7 @@
           <p:nvPr/>
         </p:nvPicPr>
         <p:blipFill>
-          <a:blip r:embed="rId2"/>
+          <a:blip r:embed="rId5"/>
           <a:stretch>
             <a:fillRect/>
           </a:stretch>
@@ -4664,7 +4740,7 @@
     </p:spTree>
     <p:extLst>
       <p:ext uri="{BB962C8B-B14F-4D97-AF65-F5344CB8AC3E}">
-        <p14:creationId xmlns:p14="http://schemas.microsoft.com/office/powerpoint/2010/main" val="3619328480"/>
+        <p14:creationId xmlns:p14="http://schemas.microsoft.com/office/powerpoint/2010/main" val="4294917986"/>
       </p:ext>
     </p:extLst>
   </p:cSld>
@@ -4677,6 +4753,14 @@
 <file path=ppt/slides/slide15.xml><?xml version="1.0" encoding="utf-8"?>
 <p:sld xmlns:a="http://schemas.openxmlformats.org/drawingml/2006/main" xmlns:r="http://schemas.openxmlformats.org/officeDocument/2006/relationships" xmlns:p="http://schemas.openxmlformats.org/presentationml/2006/main">
   <p:cSld>
+    <p:bg>
+      <p:bgPr>
+        <a:solidFill>
+          <a:schemeClr val="bg1"/>
+        </a:solidFill>
+        <a:effectLst/>
+      </p:bgPr>
+    </p:bg>
     <p:spTree>
       <p:nvGrpSpPr>
         <p:cNvPr id="1" name=""/>
@@ -4691,26 +4775,102 @@
           <a:chExt cx="0" cy="0"/>
         </a:xfrm>
       </p:grpSpPr>
-      <p:sp>
-        <p:nvSpPr>
-          <p:cNvPr id="2" name="Title 1">
-            <a:extLst>
-              <a:ext uri="{FF2B5EF4-FFF2-40B4-BE49-F238E27FC236}">
-                <a16:creationId xmlns:a16="http://schemas.microsoft.com/office/drawing/2014/main" id="{6A3E6EBA-9246-9746-814E-EA6AB5100B01}"/>
-              </a:ext>
-            </a:extLst>
-          </p:cNvPr>
-          <p:cNvSpPr>
-            <a:spLocks noGrp="1"/>
-          </p:cNvSpPr>
-          <p:nvPr>
-            <p:ph type="title"/>
-          </p:nvPr>
-        </p:nvSpPr>
-        <p:spPr>
-          <a:xfrm>
-            <a:off x="700635" y="922096"/>
-            <a:ext cx="10691265" cy="706679"/>
+      <p:sp useBgFill="1">
+        <p:nvSpPr>
+          <p:cNvPr id="11" name="Rectangle 10">
+            <a:extLst>
+              <a:ext uri="{FF2B5EF4-FFF2-40B4-BE49-F238E27FC236}">
+                <a16:creationId xmlns:a16="http://schemas.microsoft.com/office/drawing/2014/main" id="{33E93247-6229-44AB-A550-739E971E690B}"/>
+              </a:ext>
+              <a:ext uri="{C183D7F6-B498-43B3-948B-1728B52AA6E4}">
+                <adec:decorative xmlns:adec="http://schemas.microsoft.com/office/drawing/2017/decorative" val="1"/>
+              </a:ext>
+            </a:extLst>
+          </p:cNvPr>
+          <p:cNvSpPr>
+            <a:spLocks noGrp="1" noRot="1" noChangeAspect="1" noMove="1" noResize="1" noEditPoints="1" noAdjustHandles="1" noChangeArrowheads="1" noChangeShapeType="1" noTextEdit="1"/>
+          </p:cNvSpPr>
+          <p:nvPr>
+            <p:extLst>
+              <p:ext uri="{386F3935-93C4-4BCD-93E2-E3B085C9AB24}">
+                <p16:designElem xmlns:p16="http://schemas.microsoft.com/office/powerpoint/2015/main" val="1"/>
+              </p:ext>
+            </p:extLst>
+          </p:nvPr>
+        </p:nvSpPr>
+        <p:spPr>
+          <a:xfrm>
+            <a:off x="0" y="0"/>
+            <a:ext cx="12192000" cy="6858000"/>
+          </a:xfrm>
+          <a:prstGeom prst="rect">
+            <a:avLst/>
+          </a:prstGeom>
+          <a:ln w="12700" cap="flat" cmpd="sng" algn="ctr">
+            <a:noFill/>
+            <a:prstDash val="solid"/>
+            <a:miter lim="800000"/>
+          </a:ln>
+          <a:effectLst/>
+          <a:extLst>
+            <a:ext uri="{91240B29-F687-4F45-9708-019B960494DF}">
+              <a14:hiddenLine xmlns:a14="http://schemas.microsoft.com/office/drawing/2010/main" w="12700" cap="flat" cmpd="sng" algn="ctr">
+                <a:solidFill>
+                  <a:schemeClr val="accent1">
+                    <a:shade val="50000"/>
+                  </a:schemeClr>
+                </a:solidFill>
+                <a:prstDash val="solid"/>
+                <a:miter lim="800000"/>
+              </a14:hiddenLine>
+            </a:ext>
+          </a:extLst>
+        </p:spPr>
+        <p:style>
+          <a:lnRef idx="2">
+            <a:schemeClr val="accent1">
+              <a:shade val="50000"/>
+            </a:schemeClr>
+          </a:lnRef>
+          <a:fillRef idx="1">
+            <a:schemeClr val="accent1"/>
+          </a:fillRef>
+          <a:effectRef idx="0">
+            <a:schemeClr val="accent1"/>
+          </a:effectRef>
+          <a:fontRef idx="minor">
+            <a:schemeClr val="lt1"/>
+          </a:fontRef>
+        </p:style>
+        <p:txBody>
+          <a:bodyPr rtlCol="0" anchor="ctr"/>
+          <a:lstStyle/>
+          <a:p>
+            <a:pPr algn="ctr"/>
+            <a:endParaRPr lang="en-US"/>
+          </a:p>
+        </p:txBody>
+      </p:sp>
+      <p:sp>
+        <p:nvSpPr>
+          <p:cNvPr id="4" name="Title 3">
+            <a:extLst>
+              <a:ext uri="{FF2B5EF4-FFF2-40B4-BE49-F238E27FC236}">
+                <a16:creationId xmlns:a16="http://schemas.microsoft.com/office/drawing/2014/main" id="{8636E1CD-E812-AF4A-BCEA-75C9018E3E3C}"/>
+              </a:ext>
+            </a:extLst>
+          </p:cNvPr>
+          <p:cNvSpPr>
+            <a:spLocks noGrp="1"/>
+          </p:cNvSpPr>
+          <p:nvPr>
+            <p:ph type="ctrTitle"/>
+          </p:nvPr>
+        </p:nvSpPr>
+        <p:spPr>
+          <a:xfrm>
+            <a:off x="653820" y="4624394"/>
+            <a:ext cx="10803074" cy="1037503"/>
           </a:xfrm>
         </p:spPr>
         <p:txBody>
@@ -4719,44 +4879,45 @@
           </a:bodyPr>
           <a:lstStyle/>
           <a:p>
-            <a:r>
-              <a:rPr lang="en-US" sz="3200" dirty="0"/>
-              <a:t>Resources regarding playlist placement</a:t>
-            </a:r>
-          </a:p>
-        </p:txBody>
-      </p:sp>
-      <p:sp>
-        <p:nvSpPr>
-          <p:cNvPr id="3" name="Content Placeholder 2">
-            <a:extLst>
-              <a:ext uri="{FF2B5EF4-FFF2-40B4-BE49-F238E27FC236}">
-                <a16:creationId xmlns:a16="http://schemas.microsoft.com/office/drawing/2014/main" id="{C90C241A-6DD4-D34E-9B33-A4EA32D4B011}"/>
-              </a:ext>
-            </a:extLst>
-          </p:cNvPr>
-          <p:cNvSpPr>
-            <a:spLocks noGrp="1"/>
-          </p:cNvSpPr>
-          <p:nvPr>
-            <p:ph idx="1"/>
-          </p:nvPr>
-        </p:nvSpPr>
-        <p:spPr>
-          <a:xfrm>
-            <a:off x="700635" y="1628775"/>
-            <a:ext cx="10691265" cy="4300439"/>
-          </a:xfrm>
-        </p:spPr>
-        <p:txBody>
-          <a:bodyPr>
+            <a:pPr algn="ctr"/>
+            <a:r>
+              <a:rPr lang="en-US" dirty="0"/>
+              <a:t>The end</a:t>
+            </a:r>
+          </a:p>
+        </p:txBody>
+      </p:sp>
+      <p:sp>
+        <p:nvSpPr>
+          <p:cNvPr id="6" name="Subtitle 5">
+            <a:extLst>
+              <a:ext uri="{FF2B5EF4-FFF2-40B4-BE49-F238E27FC236}">
+                <a16:creationId xmlns:a16="http://schemas.microsoft.com/office/drawing/2014/main" id="{E71647A3-5BDC-734E-99B0-98770AC45E21}"/>
+              </a:ext>
+            </a:extLst>
+          </p:cNvPr>
+          <p:cNvSpPr>
+            <a:spLocks noGrp="1"/>
+          </p:cNvSpPr>
+          <p:nvPr>
+            <p:ph type="subTitle" idx="1"/>
+          </p:nvPr>
+        </p:nvSpPr>
+        <p:spPr>
+          <a:xfrm>
+            <a:off x="695325" y="5717686"/>
+            <a:ext cx="8476052" cy="636316"/>
+          </a:xfrm>
+        </p:spPr>
+        <p:txBody>
+          <a:bodyPr anchor="t">
             <a:normAutofit/>
           </a:bodyPr>
           <a:lstStyle/>
           <a:p>
             <a:r>
               <a:rPr lang="en-US" dirty="0"/>
-              <a:t>Links with resources for pitching your music to the Spotify content curators</a:t>
+              <a:t>Thank you!</a:t>
             </a:r>
           </a:p>
         </p:txBody>
@@ -4783,8 +4944,8 @@
         </p:blipFill>
         <p:spPr>
           <a:xfrm>
-            <a:off x="10332002" y="170415"/>
-            <a:ext cx="1458360" cy="1458360"/>
+            <a:off x="4362955" y="723900"/>
+            <a:ext cx="3466090" cy="3466090"/>
           </a:xfrm>
           <a:prstGeom prst="rect">
             <a:avLst/>
@@ -4794,10 +4955,62 @@
           </a:solidFill>
         </p:spPr>
       </p:pic>
+      <p:cxnSp>
+        <p:nvCxnSpPr>
+          <p:cNvPr id="13" name="Straight Connector 12">
+            <a:extLst>
+              <a:ext uri="{FF2B5EF4-FFF2-40B4-BE49-F238E27FC236}">
+                <a16:creationId xmlns:a16="http://schemas.microsoft.com/office/drawing/2014/main" id="{EE2E603F-4A95-4FE8-BB06-211DFD75DBEF}"/>
+              </a:ext>
+              <a:ext uri="{C183D7F6-B498-43B3-948B-1728B52AA6E4}">
+                <adec:decorative xmlns:adec="http://schemas.microsoft.com/office/drawing/2017/decorative" val="1"/>
+              </a:ext>
+            </a:extLst>
+          </p:cNvPr>
+          <p:cNvCxnSpPr>
+            <a:cxnSpLocks noGrp="1" noRot="1" noChangeAspect="1" noMove="1" noResize="1" noEditPoints="1" noAdjustHandles="1" noChangeArrowheads="1" noChangeShapeType="1"/>
+          </p:cNvCxnSpPr>
+          <p:nvPr>
+            <p:extLst>
+              <p:ext uri="{386F3935-93C4-4BCD-93E2-E3B085C9AB24}">
+                <p16:designElem xmlns:p16="http://schemas.microsoft.com/office/powerpoint/2015/main" val="1"/>
+              </p:ext>
+            </p:extLst>
+          </p:nvPr>
+        </p:nvCxnSpPr>
+        <p:spPr>
+          <a:xfrm>
+            <a:off x="800100" y="4568604"/>
+            <a:ext cx="10591800" cy="0"/>
+          </a:xfrm>
+          <a:prstGeom prst="line">
+            <a:avLst/>
+          </a:prstGeom>
+          <a:ln w="44450">
+            <a:solidFill>
+              <a:schemeClr val="tx1"/>
+            </a:solidFill>
+          </a:ln>
+        </p:spPr>
+        <p:style>
+          <a:lnRef idx="1">
+            <a:schemeClr val="accent1"/>
+          </a:lnRef>
+          <a:fillRef idx="0">
+            <a:schemeClr val="accent1"/>
+          </a:fillRef>
+          <a:effectRef idx="0">
+            <a:schemeClr val="accent1"/>
+          </a:effectRef>
+          <a:fontRef idx="minor">
+            <a:schemeClr val="tx1"/>
+          </a:fontRef>
+        </p:style>
+      </p:cxnSp>
     </p:spTree>
     <p:extLst>
       <p:ext uri="{BB962C8B-B14F-4D97-AF65-F5344CB8AC3E}">
-        <p14:creationId xmlns:p14="http://schemas.microsoft.com/office/powerpoint/2010/main" val="4294917986"/>
+        <p14:creationId xmlns:p14="http://schemas.microsoft.com/office/powerpoint/2010/main" val="1079147592"/>
       </p:ext>
     </p:extLst>
   </p:cSld>
@@ -4850,7 +5063,10 @@
           <a:bodyPr/>
           <a:lstStyle/>
           <a:p>
-            <a:endParaRPr lang="en-US" dirty="0"/>
+            <a:r>
+              <a:rPr lang="en-US" dirty="0"/>
+              <a:t>Questions/comments/discussion</a:t>
+            </a:r>
           </a:p>
         </p:txBody>
       </p:sp>
@@ -4882,6 +5098,9 @@
           </a:bodyPr>
           <a:lstStyle/>
           <a:p>
+            <a:pPr marL="0" indent="0">
+              <a:buNone/>
+            </a:pPr>
             <a:endParaRPr lang="en-US" dirty="0"/>
           </a:p>
         </p:txBody>
@@ -4923,169 +5142,6 @@
     <p:extLst>
       <p:ext uri="{BB962C8B-B14F-4D97-AF65-F5344CB8AC3E}">
         <p14:creationId xmlns:p14="http://schemas.microsoft.com/office/powerpoint/2010/main" val="1164898161"/>
-      </p:ext>
-    </p:extLst>
-  </p:cSld>
-  <p:clrMapOvr>
-    <a:masterClrMapping/>
-  </p:clrMapOvr>
-</p:sld>
-</file>
-
-<file path=ppt/slides/slide17.xml><?xml version="1.0" encoding="utf-8"?>
-<p:sld xmlns:a="http://schemas.openxmlformats.org/drawingml/2006/main" xmlns:r="http://schemas.openxmlformats.org/officeDocument/2006/relationships" xmlns:p="http://schemas.openxmlformats.org/presentationml/2006/main">
-  <p:cSld>
-    <p:spTree>
-      <p:nvGrpSpPr>
-        <p:cNvPr id="1" name=""/>
-        <p:cNvGrpSpPr/>
-        <p:nvPr/>
-      </p:nvGrpSpPr>
-      <p:grpSpPr>
-        <a:xfrm>
-          <a:off x="0" y="0"/>
-          <a:ext cx="0" cy="0"/>
-          <a:chOff x="0" y="0"/>
-          <a:chExt cx="0" cy="0"/>
-        </a:xfrm>
-      </p:grpSpPr>
-      <p:sp>
-        <p:nvSpPr>
-          <p:cNvPr id="2" name="Title 1">
-            <a:extLst>
-              <a:ext uri="{FF2B5EF4-FFF2-40B4-BE49-F238E27FC236}">
-                <a16:creationId xmlns:a16="http://schemas.microsoft.com/office/drawing/2014/main" id="{06BC5EA9-4A9F-8A4B-9EC2-30D704556F9F}"/>
-              </a:ext>
-            </a:extLst>
-          </p:cNvPr>
-          <p:cNvSpPr>
-            <a:spLocks noGrp="1"/>
-          </p:cNvSpPr>
-          <p:nvPr>
-            <p:ph type="title"/>
-          </p:nvPr>
-        </p:nvSpPr>
-        <p:spPr/>
-        <p:txBody>
-          <a:bodyPr/>
-          <a:lstStyle/>
-          <a:p>
-            <a:r>
-              <a:rPr lang="en-US" dirty="0"/>
-              <a:t>Limitations of the analysis</a:t>
-            </a:r>
-          </a:p>
-        </p:txBody>
-      </p:sp>
-      <p:sp>
-        <p:nvSpPr>
-          <p:cNvPr id="3" name="Content Placeholder 2">
-            <a:extLst>
-              <a:ext uri="{FF2B5EF4-FFF2-40B4-BE49-F238E27FC236}">
-                <a16:creationId xmlns:a16="http://schemas.microsoft.com/office/drawing/2014/main" id="{D7968C05-FEFB-B340-8A89-2F52794BC409}"/>
-              </a:ext>
-            </a:extLst>
-          </p:cNvPr>
-          <p:cNvSpPr>
-            <a:spLocks noGrp="1"/>
-          </p:cNvSpPr>
-          <p:nvPr>
-            <p:ph idx="1"/>
-          </p:nvPr>
-        </p:nvSpPr>
-        <p:spPr/>
-        <p:txBody>
-          <a:bodyPr/>
-          <a:lstStyle/>
-          <a:p>
-            <a:endParaRPr lang="en-US"/>
-          </a:p>
-        </p:txBody>
-      </p:sp>
-    </p:spTree>
-    <p:extLst>
-      <p:ext uri="{BB962C8B-B14F-4D97-AF65-F5344CB8AC3E}">
-        <p14:creationId xmlns:p14="http://schemas.microsoft.com/office/powerpoint/2010/main" val="2453678689"/>
-      </p:ext>
-    </p:extLst>
-  </p:cSld>
-  <p:clrMapOvr>
-    <a:masterClrMapping/>
-  </p:clrMapOvr>
-</p:sld>
-</file>
-
-<file path=ppt/slides/slide18.xml><?xml version="1.0" encoding="utf-8"?>
-<p:sld xmlns:a="http://schemas.openxmlformats.org/drawingml/2006/main" xmlns:r="http://schemas.openxmlformats.org/officeDocument/2006/relationships" xmlns:p="http://schemas.openxmlformats.org/presentationml/2006/main">
-  <p:cSld>
-    <p:spTree>
-      <p:nvGrpSpPr>
-        <p:cNvPr id="1" name=""/>
-        <p:cNvGrpSpPr/>
-        <p:nvPr/>
-      </p:nvGrpSpPr>
-      <p:grpSpPr>
-        <a:xfrm>
-          <a:off x="0" y="0"/>
-          <a:ext cx="0" cy="0"/>
-          <a:chOff x="0" y="0"/>
-          <a:chExt cx="0" cy="0"/>
-        </a:xfrm>
-      </p:grpSpPr>
-      <p:sp>
-        <p:nvSpPr>
-          <p:cNvPr id="2" name="Title 1">
-            <a:extLst>
-              <a:ext uri="{FF2B5EF4-FFF2-40B4-BE49-F238E27FC236}">
-                <a16:creationId xmlns:a16="http://schemas.microsoft.com/office/drawing/2014/main" id="{06BC5EA9-4A9F-8A4B-9EC2-30D704556F9F}"/>
-              </a:ext>
-            </a:extLst>
-          </p:cNvPr>
-          <p:cNvSpPr>
-            <a:spLocks noGrp="1"/>
-          </p:cNvSpPr>
-          <p:nvPr>
-            <p:ph type="title"/>
-          </p:nvPr>
-        </p:nvSpPr>
-        <p:spPr/>
-        <p:txBody>
-          <a:bodyPr/>
-          <a:lstStyle/>
-          <a:p>
-            <a:endParaRPr lang="en-US" dirty="0"/>
-          </a:p>
-        </p:txBody>
-      </p:sp>
-      <p:sp>
-        <p:nvSpPr>
-          <p:cNvPr id="3" name="Content Placeholder 2">
-            <a:extLst>
-              <a:ext uri="{FF2B5EF4-FFF2-40B4-BE49-F238E27FC236}">
-                <a16:creationId xmlns:a16="http://schemas.microsoft.com/office/drawing/2014/main" id="{D7968C05-FEFB-B340-8A89-2F52794BC409}"/>
-              </a:ext>
-            </a:extLst>
-          </p:cNvPr>
-          <p:cNvSpPr>
-            <a:spLocks noGrp="1"/>
-          </p:cNvSpPr>
-          <p:nvPr>
-            <p:ph idx="1"/>
-          </p:nvPr>
-        </p:nvSpPr>
-        <p:spPr/>
-        <p:txBody>
-          <a:bodyPr/>
-          <a:lstStyle/>
-          <a:p>
-            <a:endParaRPr lang="en-US"/>
-          </a:p>
-        </p:txBody>
-      </p:sp>
-    </p:spTree>
-    <p:extLst>
-      <p:ext uri="{BB962C8B-B14F-4D97-AF65-F5344CB8AC3E}">
-        <p14:creationId xmlns:p14="http://schemas.microsoft.com/office/powerpoint/2010/main" val="626145147"/>
       </p:ext>
     </p:extLst>
   </p:cSld>
@@ -5189,7 +5245,7 @@
             </a:r>
             <a:r>
               <a:rPr lang="en-US" dirty="0"/>
-              <a:t>) per stream (compared to the return on physical sales (cd, vinyl, tapes)</a:t>
+              <a:t>) per stream compared to the return on physical sales (cd, vinyl, tapes)</a:t>
             </a:r>
           </a:p>
           <a:p>
@@ -5499,14 +5555,17 @@
           <a:p>
             <a:r>
               <a:rPr lang="en-US" dirty="0"/>
-              <a:t>Dashboard 1 (genres): Interactive Dashboard which allows the Music Artist to examine a select genre or metric and determine key insights.</a:t>
-            </a:r>
-          </a:p>
-          <a:p>
-            <a:r>
-              <a:rPr lang="en-US" dirty="0"/>
-              <a:t>Dashboard 2 (Playlists): Interactive Dashboard that allows the Musical Artists to explore the most popular playlists and gain insights about the songs listed in each playlist</a:t>
-            </a:r>
+              <a:t>Dashboard 1 (Playlists): Interactive Dashboard that allows the Musical Artists to explore the most popular playlists and gain insights about the songs listed in each playlist</a:t>
+            </a:r>
+          </a:p>
+          <a:p>
+            <a:r>
+              <a:rPr lang="en-US" dirty="0"/>
+              <a:t>Dashboard 2 (Genres): Interactive Dashboard which allows the Music Artist to examine a select genre or metric and determine key insights.</a:t>
+            </a:r>
+          </a:p>
+          <a:p>
+            <a:endParaRPr lang="en-US" dirty="0"/>
           </a:p>
         </p:txBody>
       </p:sp>
@@ -5650,13 +5709,13 @@
           <a:p>
             <a:r>
               <a:rPr lang="en-US" dirty="0"/>
-              <a:t>Genre Recommended Songs: For each of the 122 listed genres, the 100 most popular recommended songs along with several metadata categories was compiled</a:t>
-            </a:r>
-          </a:p>
-          <a:p>
-            <a:r>
-              <a:rPr lang="en-US" dirty="0"/>
-              <a:t>Category Playlists: For each of the 51categories, all the playlists were compiled along with several metadata categories (over 1000 different playlists)</a:t>
+              <a:t>Genre Recommended Songs: For each of the 126 listed genres, the 100 most popular recommended songs along with several metadata categories was compiled</a:t>
+            </a:r>
+          </a:p>
+          <a:p>
+            <a:r>
+              <a:rPr lang="en-US" dirty="0"/>
+              <a:t>Category Playlists: For each of the 55 categories, all the playlists were compiled along with several metadata categories (over 1000 different playlists)</a:t>
             </a:r>
           </a:p>
           <a:p>
